--- a/slides.pptx
+++ b/slides.pptx
@@ -16,6 +16,7 @@
     <p:sldId id="260" r:id="rId10"/>
     <p:sldId id="264" r:id="rId11"/>
     <p:sldId id="265" r:id="rId12"/>
+    <p:sldId id="266" r:id="rId13"/>
   </p:sldIdLst>
   <p:sldSz cx="12192000" cy="6858000"/>
   <p:notesSz cx="6858000" cy="9144000"/>
@@ -6352,6 +6353,147 @@
     <p:extLst>
       <p:ext uri="{BB962C8B-B14F-4D97-AF65-F5344CB8AC3E}">
         <p14:creationId xmlns:p14="http://schemas.microsoft.com/office/powerpoint/2010/main" val="913070541"/>
+      </p:ext>
+    </p:extLst>
+  </p:cSld>
+  <p:clrMapOvr>
+    <a:masterClrMapping/>
+  </p:clrMapOvr>
+</p:sld>
+</file>
+
+<file path=ppt/slides/slide11.xml><?xml version="1.0" encoding="utf-8"?>
+<p:sld xmlns:a="http://schemas.openxmlformats.org/drawingml/2006/main" xmlns:r="http://schemas.openxmlformats.org/officeDocument/2006/relationships" xmlns:p="http://schemas.openxmlformats.org/presentationml/2006/main">
+  <p:cSld>
+    <p:bg>
+      <p:bgPr>
+        <a:blipFill rotWithShape="1">
+          <a:blip r:embed="rId2">
+            <a:duotone>
+              <a:schemeClr val="bg2">
+                <a:shade val="76000"/>
+                <a:satMod val="180000"/>
+              </a:schemeClr>
+              <a:schemeClr val="bg2">
+                <a:tint val="80000"/>
+                <a:satMod val="120000"/>
+                <a:lumMod val="180000"/>
+              </a:schemeClr>
+            </a:duotone>
+            <a:extLst/>
+          </a:blip>
+          <a:stretch/>
+        </a:blipFill>
+        <a:effectLst/>
+      </p:bgPr>
+    </p:bg>
+    <p:spTree>
+      <p:nvGrpSpPr>
+        <p:cNvPr id="1" name=""/>
+        <p:cNvGrpSpPr/>
+        <p:nvPr/>
+      </p:nvGrpSpPr>
+      <p:grpSpPr>
+        <a:xfrm>
+          <a:off x="0" y="0"/>
+          <a:ext cx="0" cy="0"/>
+          <a:chOff x="0" y="0"/>
+          <a:chExt cx="0" cy="0"/>
+        </a:xfrm>
+      </p:grpSpPr>
+      <p:sp>
+        <p:nvSpPr>
+          <p:cNvPr id="5" name="Rettangolo 4">
+            <a:extLst>
+              <a:ext uri="{FF2B5EF4-FFF2-40B4-BE49-F238E27FC236}">
+                <a16:creationId xmlns:a16="http://schemas.microsoft.com/office/drawing/2014/main" id="{6699032C-EE1F-444A-A100-8A34DC67F7B0}"/>
+              </a:ext>
+            </a:extLst>
+          </p:cNvPr>
+          <p:cNvSpPr/>
+          <p:nvPr/>
+        </p:nvSpPr>
+        <p:spPr>
+          <a:xfrm>
+            <a:off x="707035" y="269822"/>
+            <a:ext cx="10777929" cy="830997"/>
+          </a:xfrm>
+          <a:prstGeom prst="rect">
+            <a:avLst/>
+          </a:prstGeom>
+        </p:spPr>
+        <p:txBody>
+          <a:bodyPr wrap="square">
+            <a:spAutoFit/>
+          </a:bodyPr>
+          <a:lstStyle/>
+          <a:p>
+            <a:pPr algn="ctr" fontAlgn="base"/>
+            <a:r>
+              <a:rPr lang="en-GB" sz="4800" b="1" dirty="0">
+                <a:solidFill>
+                  <a:srgbClr val="585858"/>
+                </a:solidFill>
+                <a:latin typeface="inherit"/>
+              </a:rPr>
+              <a:t>Conclusions</a:t>
+            </a:r>
+            <a:endParaRPr lang="en-GB" sz="2400" b="1" dirty="0">
+              <a:solidFill>
+                <a:srgbClr val="585858"/>
+              </a:solidFill>
+              <a:latin typeface="inherit"/>
+            </a:endParaRPr>
+          </a:p>
+        </p:txBody>
+      </p:sp>
+      <p:sp>
+        <p:nvSpPr>
+          <p:cNvPr id="7" name="Rettangolo 6">
+            <a:extLst>
+              <a:ext uri="{FF2B5EF4-FFF2-40B4-BE49-F238E27FC236}">
+                <a16:creationId xmlns:a16="http://schemas.microsoft.com/office/drawing/2014/main" id="{C3625CA3-B4C6-49B2-A51C-BD2B9D81B03E}"/>
+              </a:ext>
+            </a:extLst>
+          </p:cNvPr>
+          <p:cNvSpPr/>
+          <p:nvPr/>
+        </p:nvSpPr>
+        <p:spPr>
+          <a:xfrm>
+            <a:off x="944360" y="1490008"/>
+            <a:ext cx="10303278" cy="523220"/>
+          </a:xfrm>
+          <a:prstGeom prst="rect">
+            <a:avLst/>
+          </a:prstGeom>
+        </p:spPr>
+        <p:txBody>
+          <a:bodyPr wrap="square">
+            <a:spAutoFit/>
+          </a:bodyPr>
+          <a:lstStyle/>
+          <a:p>
+            <a:pPr marL="342900" indent="-342900" fontAlgn="base">
+              <a:buFont typeface="Arial" panose="020B0604020202020204" pitchFamily="34" charset="0"/>
+              <a:buChar char="•"/>
+            </a:pPr>
+            <a:r>
+              <a:rPr lang="en-GB" sz="2800" b="1" dirty="0">
+                <a:solidFill>
+                  <a:srgbClr val="585858"/>
+                </a:solidFill>
+                <a:latin typeface="inherit"/>
+              </a:rPr>
+              <a:t>A web application based on a server of the kind “node.js”; </a:t>
+            </a:r>
+          </a:p>
+        </p:txBody>
+      </p:sp>
+    </p:spTree>
+    <p:extLst>
+      <p:ext uri="{BB962C8B-B14F-4D97-AF65-F5344CB8AC3E}">
+        <p14:creationId xmlns:p14="http://schemas.microsoft.com/office/powerpoint/2010/main" val="2136244191"/>
       </p:ext>
     </p:extLst>
   </p:cSld>

--- a/slides.pptx
+++ b/slides.pptx
@@ -265,7 +265,7 @@
           <a:p>
             <a:fld id="{2310D9DD-F5E9-4CAA-A636-78C053EBEF35}" type="datetimeFigureOut">
               <a:rPr lang="it-IT" smtClean="0"/>
-              <a:t>07/12/2018</a:t>
+              <a:t>10/12/2018</a:t>
             </a:fld>
             <a:endParaRPr lang="it-IT"/>
           </a:p>
@@ -435,7 +435,7 @@
           <a:p>
             <a:fld id="{2310D9DD-F5E9-4CAA-A636-78C053EBEF35}" type="datetimeFigureOut">
               <a:rPr lang="it-IT" smtClean="0"/>
-              <a:t>07/12/2018</a:t>
+              <a:t>10/12/2018</a:t>
             </a:fld>
             <a:endParaRPr lang="it-IT"/>
           </a:p>
@@ -615,7 +615,7 @@
           <a:p>
             <a:fld id="{2310D9DD-F5E9-4CAA-A636-78C053EBEF35}" type="datetimeFigureOut">
               <a:rPr lang="it-IT" smtClean="0"/>
-              <a:t>07/12/2018</a:t>
+              <a:t>10/12/2018</a:t>
             </a:fld>
             <a:endParaRPr lang="it-IT"/>
           </a:p>
@@ -818,7 +818,7 @@
           <a:p>
             <a:fld id="{2310D9DD-F5E9-4CAA-A636-78C053EBEF35}" type="datetimeFigureOut">
               <a:rPr lang="it-IT" smtClean="0"/>
-              <a:t>07/12/2018</a:t>
+              <a:t>10/12/2018</a:t>
             </a:fld>
             <a:endParaRPr lang="it-IT"/>
           </a:p>
@@ -988,7 +988,7 @@
           <a:p>
             <a:fld id="{2310D9DD-F5E9-4CAA-A636-78C053EBEF35}" type="datetimeFigureOut">
               <a:rPr lang="it-IT" smtClean="0"/>
-              <a:t>07/12/2018</a:t>
+              <a:t>10/12/2018</a:t>
             </a:fld>
             <a:endParaRPr lang="it-IT"/>
           </a:p>
@@ -1239,7 +1239,7 @@
           <a:p>
             <a:fld id="{2310D9DD-F5E9-4CAA-A636-78C053EBEF35}" type="datetimeFigureOut">
               <a:rPr lang="it-IT" smtClean="0"/>
-              <a:t>07/12/2018</a:t>
+              <a:t>10/12/2018</a:t>
             </a:fld>
             <a:endParaRPr lang="it-IT"/>
           </a:p>
@@ -1471,7 +1471,7 @@
           <a:p>
             <a:fld id="{2310D9DD-F5E9-4CAA-A636-78C053EBEF35}" type="datetimeFigureOut">
               <a:rPr lang="it-IT" smtClean="0"/>
-              <a:t>07/12/2018</a:t>
+              <a:t>10/12/2018</a:t>
             </a:fld>
             <a:endParaRPr lang="it-IT"/>
           </a:p>
@@ -1818,7 +1818,7 @@
           <a:p>
             <a:fld id="{2310D9DD-F5E9-4CAA-A636-78C053EBEF35}" type="datetimeFigureOut">
               <a:rPr lang="it-IT" smtClean="0"/>
-              <a:t>07/12/2018</a:t>
+              <a:t>10/12/2018</a:t>
             </a:fld>
             <a:endParaRPr lang="it-IT"/>
           </a:p>
@@ -1936,7 +1936,7 @@
           <a:p>
             <a:fld id="{2310D9DD-F5E9-4CAA-A636-78C053EBEF35}" type="datetimeFigureOut">
               <a:rPr lang="it-IT" smtClean="0"/>
-              <a:t>07/12/2018</a:t>
+              <a:t>10/12/2018</a:t>
             </a:fld>
             <a:endParaRPr lang="it-IT"/>
           </a:p>
@@ -2054,7 +2054,7 @@
           <a:p>
             <a:fld id="{2310D9DD-F5E9-4CAA-A636-78C053EBEF35}" type="datetimeFigureOut">
               <a:rPr lang="it-IT" smtClean="0"/>
-              <a:t>07/12/2018</a:t>
+              <a:t>10/12/2018</a:t>
             </a:fld>
             <a:endParaRPr lang="it-IT"/>
           </a:p>
@@ -2338,7 +2338,7 @@
           <a:p>
             <a:fld id="{2310D9DD-F5E9-4CAA-A636-78C053EBEF35}" type="datetimeFigureOut">
               <a:rPr lang="it-IT" smtClean="0"/>
-              <a:t>07/12/2018</a:t>
+              <a:t>10/12/2018</a:t>
             </a:fld>
             <a:endParaRPr lang="it-IT"/>
           </a:p>
@@ -2508,7 +2508,7 @@
           <a:p>
             <a:fld id="{2310D9DD-F5E9-4CAA-A636-78C053EBEF35}" type="datetimeFigureOut">
               <a:rPr lang="it-IT" smtClean="0"/>
-              <a:t>07/12/2018</a:t>
+              <a:t>10/12/2018</a:t>
             </a:fld>
             <a:endParaRPr lang="it-IT"/>
           </a:p>
@@ -2772,7 +2772,7 @@
           <a:p>
             <a:fld id="{2310D9DD-F5E9-4CAA-A636-78C053EBEF35}" type="datetimeFigureOut">
               <a:rPr lang="it-IT" smtClean="0"/>
-              <a:t>07/12/2018</a:t>
+              <a:t>10/12/2018</a:t>
             </a:fld>
             <a:endParaRPr lang="it-IT"/>
           </a:p>
@@ -2947,7 +2947,7 @@
           <a:p>
             <a:fld id="{2310D9DD-F5E9-4CAA-A636-78C053EBEF35}" type="datetimeFigureOut">
               <a:rPr lang="it-IT" smtClean="0"/>
-              <a:t>07/12/2018</a:t>
+              <a:t>10/12/2018</a:t>
             </a:fld>
             <a:endParaRPr lang="it-IT"/>
           </a:p>
@@ -3127,7 +3127,7 @@
           <a:p>
             <a:fld id="{2310D9DD-F5E9-4CAA-A636-78C053EBEF35}" type="datetimeFigureOut">
               <a:rPr lang="it-IT" smtClean="0"/>
-              <a:t>07/12/2018</a:t>
+              <a:t>10/12/2018</a:t>
             </a:fld>
             <a:endParaRPr lang="it-IT"/>
           </a:p>
@@ -3378,7 +3378,7 @@
           <a:p>
             <a:fld id="{2310D9DD-F5E9-4CAA-A636-78C053EBEF35}" type="datetimeFigureOut">
               <a:rPr lang="it-IT" smtClean="0"/>
-              <a:t>07/12/2018</a:t>
+              <a:t>10/12/2018</a:t>
             </a:fld>
             <a:endParaRPr lang="it-IT"/>
           </a:p>
@@ -3610,7 +3610,7 @@
           <a:p>
             <a:fld id="{2310D9DD-F5E9-4CAA-A636-78C053EBEF35}" type="datetimeFigureOut">
               <a:rPr lang="it-IT" smtClean="0"/>
-              <a:t>07/12/2018</a:t>
+              <a:t>10/12/2018</a:t>
             </a:fld>
             <a:endParaRPr lang="it-IT"/>
           </a:p>
@@ -3957,7 +3957,7 @@
           <a:p>
             <a:fld id="{2310D9DD-F5E9-4CAA-A636-78C053EBEF35}" type="datetimeFigureOut">
               <a:rPr lang="it-IT" smtClean="0"/>
-              <a:t>07/12/2018</a:t>
+              <a:t>10/12/2018</a:t>
             </a:fld>
             <a:endParaRPr lang="it-IT"/>
           </a:p>
@@ -4075,7 +4075,7 @@
           <a:p>
             <a:fld id="{2310D9DD-F5E9-4CAA-A636-78C053EBEF35}" type="datetimeFigureOut">
               <a:rPr lang="it-IT" smtClean="0"/>
-              <a:t>07/12/2018</a:t>
+              <a:t>10/12/2018</a:t>
             </a:fld>
             <a:endParaRPr lang="it-IT"/>
           </a:p>
@@ -4193,7 +4193,7 @@
           <a:p>
             <a:fld id="{2310D9DD-F5E9-4CAA-A636-78C053EBEF35}" type="datetimeFigureOut">
               <a:rPr lang="it-IT" smtClean="0"/>
-              <a:t>07/12/2018</a:t>
+              <a:t>10/12/2018</a:t>
             </a:fld>
             <a:endParaRPr lang="it-IT"/>
           </a:p>
@@ -4477,7 +4477,7 @@
           <a:p>
             <a:fld id="{2310D9DD-F5E9-4CAA-A636-78C053EBEF35}" type="datetimeFigureOut">
               <a:rPr lang="it-IT" smtClean="0"/>
-              <a:t>07/12/2018</a:t>
+              <a:t>10/12/2018</a:t>
             </a:fld>
             <a:endParaRPr lang="it-IT"/>
           </a:p>
@@ -4741,7 +4741,7 @@
           <a:p>
             <a:fld id="{2310D9DD-F5E9-4CAA-A636-78C053EBEF35}" type="datetimeFigureOut">
               <a:rPr lang="it-IT" smtClean="0"/>
-              <a:t>07/12/2018</a:t>
+              <a:t>10/12/2018</a:t>
             </a:fld>
             <a:endParaRPr lang="it-IT"/>
           </a:p>
@@ -4960,7 +4960,7 @@
           <a:p>
             <a:fld id="{2310D9DD-F5E9-4CAA-A636-78C053EBEF35}" type="datetimeFigureOut">
               <a:rPr lang="it-IT" smtClean="0"/>
-              <a:t>07/12/2018</a:t>
+              <a:t>10/12/2018</a:t>
             </a:fld>
             <a:endParaRPr lang="it-IT"/>
           </a:p>
@@ -5490,7 +5490,7 @@
           <a:p>
             <a:fld id="{2310D9DD-F5E9-4CAA-A636-78C053EBEF35}" type="datetimeFigureOut">
               <a:rPr lang="it-IT" smtClean="0"/>
-              <a:t>07/12/2018</a:t>
+              <a:t>10/12/2018</a:t>
             </a:fld>
             <a:endParaRPr lang="it-IT"/>
           </a:p>
@@ -6462,7 +6462,7 @@
         <p:spPr>
           <a:xfrm>
             <a:off x="944360" y="1490008"/>
-            <a:ext cx="10303278" cy="523220"/>
+            <a:ext cx="10303278" cy="4401205"/>
           </a:xfrm>
           <a:prstGeom prst="rect">
             <a:avLst/>
@@ -6485,8 +6485,77 @@
                 </a:solidFill>
                 <a:latin typeface="inherit"/>
               </a:rPr>
-              <a:t>A web application based on a server of the kind “node.js”; </a:t>
-            </a:r>
+              <a:t>A web application based on a server of the kind “node.js” has been developed and deployed;</a:t>
+            </a:r>
+          </a:p>
+          <a:p>
+            <a:pPr marL="342900" indent="-342900" fontAlgn="base">
+              <a:buFont typeface="Arial" panose="020B0604020202020204" pitchFamily="34" charset="0"/>
+              <a:buChar char="•"/>
+            </a:pPr>
+            <a:r>
+              <a:rPr lang="en-GB" sz="2800" b="1" dirty="0">
+                <a:solidFill>
+                  <a:srgbClr val="585858"/>
+                </a:solidFill>
+                <a:latin typeface="inherit"/>
+              </a:rPr>
+              <a:t>The hands-on have been realized in time, they can be seen in the application folder;</a:t>
+            </a:r>
+          </a:p>
+          <a:p>
+            <a:pPr marL="342900" indent="-342900" fontAlgn="base">
+              <a:buFont typeface="Arial" panose="020B0604020202020204" pitchFamily="34" charset="0"/>
+              <a:buChar char="•"/>
+            </a:pPr>
+            <a:r>
+              <a:rPr lang="en-GB" sz="2800" b="1" dirty="0">
+                <a:solidFill>
+                  <a:srgbClr val="585858"/>
+                </a:solidFill>
+                <a:latin typeface="inherit"/>
+              </a:rPr>
+              <a:t>The project has changed since the beginning of the work:</a:t>
+            </a:r>
+          </a:p>
+          <a:p>
+            <a:pPr marL="800100" lvl="1" indent="-342900" fontAlgn="base">
+              <a:buFont typeface="Arial" panose="020B0604020202020204" pitchFamily="34" charset="0"/>
+              <a:buChar char="•"/>
+            </a:pPr>
+            <a:r>
+              <a:rPr lang="en-GB" sz="2800" b="1" dirty="0">
+                <a:solidFill>
+                  <a:srgbClr val="585858"/>
+                </a:solidFill>
+                <a:latin typeface="inherit"/>
+              </a:rPr>
+              <a:t>Despite the initial idea of an encyclopaedia of all the cities, the found datasets were more suited for a encyclopaedia of the provinces instead: the project has been changed accordingly;</a:t>
+            </a:r>
+          </a:p>
+          <a:p>
+            <a:pPr marL="800100" lvl="1" indent="-342900" fontAlgn="base">
+              <a:buFont typeface="Arial" panose="020B0604020202020204" pitchFamily="34" charset="0"/>
+              <a:buChar char="•"/>
+            </a:pPr>
+            <a:endParaRPr lang="en-GB" sz="2800" b="1" dirty="0">
+              <a:solidFill>
+                <a:srgbClr val="585858"/>
+              </a:solidFill>
+              <a:latin typeface="inherit"/>
+            </a:endParaRPr>
+          </a:p>
+          <a:p>
+            <a:pPr marL="800100" lvl="1" indent="-342900" fontAlgn="base">
+              <a:buFont typeface="Arial" panose="020B0604020202020204" pitchFamily="34" charset="0"/>
+              <a:buChar char="•"/>
+            </a:pPr>
+            <a:endParaRPr lang="en-GB" sz="2800" b="1" dirty="0">
+              <a:solidFill>
+                <a:srgbClr val="585858"/>
+              </a:solidFill>
+              <a:latin typeface="inherit"/>
+            </a:endParaRPr>
           </a:p>
         </p:txBody>
       </p:sp>
